--- a/89296_88886_assign2_presentation_APSEI_1920.pptx
+++ b/89296_88886_assign2_presentation_APSEI_1920.pptx
@@ -382,7 +382,7 @@
             <a:fld id="{C4D34BBC-AE3F-449A-8FD0-7E5A78C4157B}" type="slidenum">
               <a:rPr lang="pt-PT" altLang="pt-PT"/>
               <a:pPr/>
-              <a:t>‹#›</a:t>
+              <a:t>‹nº›</a:t>
             </a:fld>
             <a:endParaRPr lang="pt-PT" altLang="pt-PT"/>
           </a:p>
@@ -708,7 +708,7 @@
             <a:fld id="{D209D946-B460-418D-AA78-85544F52A271}" type="slidenum">
               <a:rPr lang="pt-PT" altLang="pt-PT"/>
               <a:pPr/>
-              <a:t>‹#›</a:t>
+              <a:t>‹nº›</a:t>
             </a:fld>
             <a:endParaRPr lang="pt-PT" altLang="pt-PT"/>
           </a:p>
@@ -2017,7 +2017,7 @@
             <a:fld id="{09A3ADBC-2A5C-4542-967B-AA6DA98A9CE9}" type="slidenum">
               <a:rPr lang="pt-PT" altLang="pt-PT"/>
               <a:pPr/>
-              <a:t>‹#›</a:t>
+              <a:t>‹nº›</a:t>
             </a:fld>
             <a:endParaRPr lang="pt-PT" altLang="pt-PT"/>
           </a:p>
@@ -2170,7 +2170,7 @@
             <a:fld id="{C427C7CA-C124-44E7-A7C3-9B4FEDAF61B5}" type="slidenum">
               <a:rPr lang="pt-PT" altLang="pt-PT"/>
               <a:pPr/>
-              <a:t>‹#›</a:t>
+              <a:t>‹nº›</a:t>
             </a:fld>
             <a:endParaRPr lang="pt-PT" altLang="pt-PT"/>
           </a:p>
@@ -2328,7 +2328,7 @@
             <a:fld id="{167160B9-3115-4D12-A4E2-10D3FAD13298}" type="slidenum">
               <a:rPr lang="pt-PT" altLang="pt-PT"/>
               <a:pPr/>
-              <a:t>‹#›</a:t>
+              <a:t>‹nº›</a:t>
             </a:fld>
             <a:endParaRPr lang="pt-PT" altLang="pt-PT"/>
           </a:p>
@@ -2454,7 +2454,7 @@
             <a:fld id="{8FA8EF5F-E97B-47EB-81AD-298D1B6F3BBB}" type="slidenum">
               <a:rPr lang="pt-PT" altLang="pt-PT"/>
               <a:pPr/>
-              <a:t>‹#›</a:t>
+              <a:t>‹nº›</a:t>
             </a:fld>
             <a:endParaRPr lang="pt-PT" altLang="pt-PT"/>
           </a:p>
@@ -2669,7 +2669,7 @@
             <a:fld id="{766CF4D7-A514-4215-B7E8-0010E0EB653E}" type="slidenum">
               <a:rPr lang="pt-PT" altLang="pt-PT"/>
               <a:pPr/>
-              <a:t>‹#›</a:t>
+              <a:t>‹nº›</a:t>
             </a:fld>
             <a:endParaRPr lang="pt-PT" altLang="pt-PT"/>
           </a:p>
@@ -2866,7 +2866,7 @@
             <a:fld id="{4AFE5B0A-2F42-45DA-AE52-D971391B38FA}" type="slidenum">
               <a:rPr lang="pt-PT" altLang="pt-PT"/>
               <a:pPr/>
-              <a:t>‹#›</a:t>
+              <a:t>‹nº›</a:t>
             </a:fld>
             <a:endParaRPr lang="pt-PT" altLang="pt-PT"/>
           </a:p>
@@ -3040,7 +3040,7 @@
             <a:fld id="{C40D6678-8A75-41BC-A8E1-EED5F522C8F9}" type="slidenum">
               <a:rPr lang="pt-PT" altLang="pt-PT"/>
               <a:pPr/>
-              <a:t>‹#›</a:t>
+              <a:t>‹nº›</a:t>
             </a:fld>
             <a:endParaRPr lang="pt-PT" altLang="pt-PT"/>
           </a:p>
@@ -3311,7 +3311,7 @@
             <a:fld id="{B82BC614-03D9-4B08-A06D-98BE8F2C6FAE}" type="slidenum">
               <a:rPr lang="pt-PT" altLang="pt-PT"/>
               <a:pPr/>
-              <a:t>‹#›</a:t>
+              <a:t>‹nº›</a:t>
             </a:fld>
             <a:endParaRPr lang="pt-PT" altLang="pt-PT"/>
           </a:p>
@@ -3716,7 +3716,7 @@
             <a:fld id="{DB080CF1-ACF3-4026-B6A2-0F43F54EBF50}" type="slidenum">
               <a:rPr lang="pt-PT" altLang="pt-PT"/>
               <a:pPr/>
-              <a:t>‹#›</a:t>
+              <a:t>‹nº›</a:t>
             </a:fld>
             <a:endParaRPr lang="pt-PT" altLang="pt-PT"/>
           </a:p>
@@ -3817,7 +3817,7 @@
             <a:fld id="{BB2E880A-DC08-4835-889D-1C8A03E6423F}" type="slidenum">
               <a:rPr lang="pt-PT" altLang="pt-PT"/>
               <a:pPr/>
-              <a:t>‹#›</a:t>
+              <a:t>‹nº›</a:t>
             </a:fld>
             <a:endParaRPr lang="pt-PT" altLang="pt-PT"/>
           </a:p>
@@ -3887,7 +3887,7 @@
             <a:fld id="{D29E5C8A-FFEC-4A7C-B095-23D96A9C6E9C}" type="slidenum">
               <a:rPr lang="pt-PT" altLang="pt-PT"/>
               <a:pPr/>
-              <a:t>‹#›</a:t>
+              <a:t>‹nº›</a:t>
             </a:fld>
             <a:endParaRPr lang="pt-PT" altLang="pt-PT"/>
           </a:p>
@@ -4142,7 +4142,7 @@
             <a:fld id="{01CD7464-9A42-43DB-929B-E81F9E981951}" type="slidenum">
               <a:rPr lang="pt-PT" altLang="pt-PT"/>
               <a:pPr/>
-              <a:t>‹#›</a:t>
+              <a:t>‹nº›</a:t>
             </a:fld>
             <a:endParaRPr lang="pt-PT" altLang="pt-PT"/>
           </a:p>
@@ -4374,7 +4374,7 @@
             <a:fld id="{624C19A0-9CC2-48B0-BF03-DBA2C0FBD4FE}" type="slidenum">
               <a:rPr lang="pt-PT" altLang="pt-PT"/>
               <a:pPr/>
-              <a:t>‹#›</a:t>
+              <a:t>‹nº›</a:t>
             </a:fld>
             <a:endParaRPr lang="pt-PT" altLang="pt-PT"/>
           </a:p>
@@ -6326,7 +6326,7 @@
               <a:pPr lvl="1"/>
               <a:t>1</a:t>
             </a:fld>
-            <a:endParaRPr lang="pt-PT" altLang="pt-PT" sz="1200"/>
+            <a:endParaRPr lang="pt-PT" altLang="pt-PT" sz="1200" dirty="0"/>
           </a:p>
         </p:txBody>
       </p:sp>
@@ -6375,7 +6375,62 @@
                   <a:srgbClr val="000000"/>
                 </a:solidFill>
               </a:rPr>
-              <a:t>Title</a:t>
+              <a:t>Analysis</a:t>
+            </a:r>
+            <a:r>
+              <a:rPr lang="pt-PT" altLang="pt-PT" sz="2800" b="1" dirty="0">
+                <a:solidFill>
+                  <a:srgbClr val="000000"/>
+                </a:solidFill>
+              </a:rPr>
+              <a:t> </a:t>
+            </a:r>
+            <a:r>
+              <a:rPr lang="pt-PT" altLang="pt-PT" sz="2800" b="1" dirty="0" err="1">
+                <a:solidFill>
+                  <a:srgbClr val="000000"/>
+                </a:solidFill>
+              </a:rPr>
+              <a:t>of</a:t>
+            </a:r>
+            <a:r>
+              <a:rPr lang="pt-PT" altLang="pt-PT" sz="2800" b="1" dirty="0">
+                <a:solidFill>
+                  <a:srgbClr val="000000"/>
+                </a:solidFill>
+              </a:rPr>
+              <a:t> na Internet </a:t>
+            </a:r>
+            <a:r>
+              <a:rPr lang="pt-PT" altLang="pt-PT" sz="2800" b="1" dirty="0" err="1">
+                <a:solidFill>
+                  <a:srgbClr val="000000"/>
+                </a:solidFill>
+              </a:rPr>
+              <a:t>Service</a:t>
+            </a:r>
+            <a:r>
+              <a:rPr lang="pt-PT" altLang="pt-PT" sz="2800" b="1" dirty="0">
+                <a:solidFill>
+                  <a:srgbClr val="000000"/>
+                </a:solidFill>
+              </a:rPr>
+              <a:t>: </a:t>
+            </a:r>
+            <a:br>
+              <a:rPr lang="pt-PT" altLang="pt-PT" sz="2800" b="1" dirty="0">
+                <a:solidFill>
+                  <a:srgbClr val="000000"/>
+                </a:solidFill>
+              </a:rPr>
+            </a:br>
+            <a:r>
+              <a:rPr lang="pt-PT" altLang="pt-PT" sz="2800" b="1" dirty="0" err="1">
+                <a:solidFill>
+                  <a:srgbClr val="000000"/>
+                </a:solidFill>
+              </a:rPr>
+              <a:t>Slack</a:t>
             </a:r>
             <a:r>
               <a:rPr lang="pt-PT" altLang="pt-PT" sz="2800" b="1" dirty="0">
@@ -6390,57 +6445,6 @@
                 <a:solidFill>
                   <a:srgbClr val="000000"/>
                 </a:solidFill>
-              </a:rPr>
-            </a:br>
-            <a:r>
-              <a:rPr lang="pt-PT" altLang="pt-PT" sz="1200" b="1" dirty="0" err="1">
-                <a:solidFill>
-                  <a:srgbClr val="000000"/>
-                </a:solidFill>
-                <a:latin typeface="Verdana" panose="020B0604030504040204" pitchFamily="34" charset="0"/>
-              </a:rPr>
-              <a:t>Xxx</a:t>
-            </a:r>
-            <a:br>
-              <a:rPr lang="pt-PT" altLang="pt-PT" sz="1200" b="1" dirty="0">
-                <a:solidFill>
-                  <a:srgbClr val="000000"/>
-                </a:solidFill>
-                <a:latin typeface="Verdana" panose="020B0604030504040204" pitchFamily="34" charset="0"/>
-              </a:rPr>
-            </a:br>
-            <a:r>
-              <a:rPr lang="pt-PT" altLang="pt-PT" sz="1200" b="1" dirty="0" err="1">
-                <a:solidFill>
-                  <a:srgbClr val="000000"/>
-                </a:solidFill>
-                <a:latin typeface="Verdana" panose="020B0604030504040204" pitchFamily="34" charset="0"/>
-              </a:rPr>
-              <a:t>yyy</a:t>
-            </a:r>
-            <a:br>
-              <a:rPr lang="pt-PT" altLang="pt-PT" sz="1200" b="1" dirty="0">
-                <a:solidFill>
-                  <a:srgbClr val="000000"/>
-                </a:solidFill>
-                <a:latin typeface="Verdana" panose="020B0604030504040204" pitchFamily="34" charset="0"/>
-              </a:rPr>
-            </a:br>
-            <a:r>
-              <a:rPr lang="pt-PT" altLang="pt-PT" sz="1200" b="1" dirty="0" err="1">
-                <a:solidFill>
-                  <a:srgbClr val="000000"/>
-                </a:solidFill>
-                <a:latin typeface="Verdana" panose="020B0604030504040204" pitchFamily="34" charset="0"/>
-              </a:rPr>
-              <a:t>zzz</a:t>
-            </a:r>
-            <a:br>
-              <a:rPr lang="pt-PT" altLang="pt-PT" sz="1200" b="1" dirty="0">
-                <a:solidFill>
-                  <a:srgbClr val="000000"/>
-                </a:solidFill>
-                <a:latin typeface="Verdana" panose="020B0604030504040204" pitchFamily="34" charset="0"/>
               </a:rPr>
             </a:br>
             <a:br>
@@ -6459,24 +6463,6 @@
                 <a:latin typeface="Verdana" panose="020B0604030504040204" pitchFamily="34" charset="0"/>
               </a:rPr>
             </a:br>
-            <a:r>
-              <a:rPr lang="pt-PT" altLang="pt-PT" sz="1200" b="1" dirty="0" err="1">
-                <a:solidFill>
-                  <a:srgbClr val="000000"/>
-                </a:solidFill>
-                <a:latin typeface="Verdana" panose="020B0604030504040204" pitchFamily="34" charset="0"/>
-              </a:rPr>
-              <a:t>Author</a:t>
-            </a:r>
-            <a:r>
-              <a:rPr lang="pt-PT" altLang="pt-PT" sz="1200" b="1">
-                <a:solidFill>
-                  <a:srgbClr val="000000"/>
-                </a:solidFill>
-                <a:latin typeface="Verdana" panose="020B0604030504040204" pitchFamily="34" charset="0"/>
-              </a:rPr>
-              <a:t>(s)</a:t>
-            </a:r>
             <a:br>
               <a:rPr lang="pt-PT" altLang="pt-PT" sz="1200" b="1" dirty="0">
                 <a:solidFill>
@@ -6493,6 +6479,32 @@
                 <a:latin typeface="Verdana" panose="020B0604030504040204" pitchFamily="34" charset="0"/>
               </a:rPr>
             </a:br>
+            <a:r>
+              <a:rPr lang="pt-PT" altLang="pt-PT" sz="1200" b="1" dirty="0">
+                <a:solidFill>
+                  <a:srgbClr val="000000"/>
+                </a:solidFill>
+                <a:latin typeface="Verdana" panose="020B0604030504040204" pitchFamily="34" charset="0"/>
+              </a:rPr>
+              <a:t>89296: Tomás Batista</a:t>
+            </a:r>
+            <a:br>
+              <a:rPr lang="pt-PT" altLang="pt-PT" sz="1200" b="1" dirty="0">
+                <a:solidFill>
+                  <a:srgbClr val="000000"/>
+                </a:solidFill>
+                <a:latin typeface="Verdana" panose="020B0604030504040204" pitchFamily="34" charset="0"/>
+              </a:rPr>
+            </a:br>
+            <a:r>
+              <a:rPr lang="pt-PT" altLang="pt-PT" sz="1200" b="1" dirty="0">
+                <a:solidFill>
+                  <a:srgbClr val="000000"/>
+                </a:solidFill>
+                <a:latin typeface="Verdana" panose="020B0604030504040204" pitchFamily="34" charset="0"/>
+              </a:rPr>
+              <a:t>88887: Flávia Figueiredo</a:t>
+            </a:r>
             <a:br>
               <a:rPr lang="pt-PT" altLang="pt-PT" sz="1200" b="1" dirty="0">
                 <a:solidFill>
@@ -6557,14 +6569,24 @@
                 <a:latin typeface="Verdana" panose="020B0604030504040204" pitchFamily="34" charset="0"/>
               </a:rPr>
             </a:br>
-            <a:br>
-              <a:rPr lang="pt-PT" altLang="pt-PT" sz="1200" b="1" dirty="0">
+            <a:r>
+              <a:rPr lang="pt-PT" altLang="pt-PT" sz="800" b="1" dirty="0" err="1">
                 <a:solidFill>
                   <a:srgbClr val="000000"/>
                 </a:solidFill>
                 <a:latin typeface="Verdana" panose="020B0604030504040204" pitchFamily="34" charset="0"/>
               </a:rPr>
-            </a:br>
+              <a:t>Work</a:t>
+            </a:r>
+            <a:r>
+              <a:rPr lang="pt-PT" altLang="pt-PT" sz="800" b="1" dirty="0">
+                <a:solidFill>
+                  <a:srgbClr val="000000"/>
+                </a:solidFill>
+                <a:latin typeface="Verdana" panose="020B0604030504040204" pitchFamily="34" charset="0"/>
+              </a:rPr>
+              <a:t> </a:t>
+            </a:r>
             <a:r>
               <a:rPr lang="pt-PT" altLang="pt-PT" sz="800" b="1" dirty="0" err="1">
                 <a:solidFill>
@@ -6572,7 +6594,7 @@
                 </a:solidFill>
                 <a:latin typeface="Verdana" panose="020B0604030504040204" pitchFamily="34" charset="0"/>
               </a:rPr>
-              <a:t>Work</a:t>
+              <a:t>done</a:t>
             </a:r>
             <a:r>
               <a:rPr lang="pt-PT" altLang="pt-PT" sz="800" b="1" dirty="0">
@@ -6590,7 +6612,7 @@
                 </a:solidFill>
                 <a:latin typeface="Verdana" panose="020B0604030504040204" pitchFamily="34" charset="0"/>
               </a:rPr>
-              <a:t>done</a:t>
+              <a:t>under</a:t>
             </a:r>
             <a:r>
               <a:rPr lang="pt-PT" altLang="pt-PT" sz="800" b="1" dirty="0">
@@ -6608,7 +6630,7 @@
                 </a:solidFill>
                 <a:latin typeface="Verdana" panose="020B0604030504040204" pitchFamily="34" charset="0"/>
               </a:rPr>
-              <a:t>under</a:t>
+              <a:t>the</a:t>
             </a:r>
             <a:r>
               <a:rPr lang="pt-PT" altLang="pt-PT" sz="800" b="1" dirty="0">
@@ -6626,6 +6648,60 @@
                 </a:solidFill>
                 <a:latin typeface="Verdana" panose="020B0604030504040204" pitchFamily="34" charset="0"/>
               </a:rPr>
+              <a:t>framework</a:t>
+            </a:r>
+            <a:r>
+              <a:rPr lang="pt-PT" altLang="pt-PT" sz="800" b="1" dirty="0">
+                <a:solidFill>
+                  <a:srgbClr val="000000"/>
+                </a:solidFill>
+                <a:latin typeface="Verdana" panose="020B0604030504040204" pitchFamily="34" charset="0"/>
+              </a:rPr>
+              <a:t> </a:t>
+            </a:r>
+            <a:r>
+              <a:rPr lang="pt-PT" altLang="pt-PT" sz="800" b="1" dirty="0" err="1">
+                <a:solidFill>
+                  <a:srgbClr val="000000"/>
+                </a:solidFill>
+                <a:latin typeface="Verdana" panose="020B0604030504040204" pitchFamily="34" charset="0"/>
+              </a:rPr>
+              <a:t>of</a:t>
+            </a:r>
+            <a:r>
+              <a:rPr lang="pt-PT" altLang="pt-PT" sz="800" b="1" dirty="0">
+                <a:solidFill>
+                  <a:srgbClr val="000000"/>
+                </a:solidFill>
+                <a:latin typeface="Verdana" panose="020B0604030504040204" pitchFamily="34" charset="0"/>
+              </a:rPr>
+              <a:t> discipline APSEI </a:t>
+            </a:r>
+            <a:r>
+              <a:rPr lang="pt-PT" altLang="pt-PT" sz="800" b="1" dirty="0" err="1">
+                <a:solidFill>
+                  <a:srgbClr val="000000"/>
+                </a:solidFill>
+                <a:latin typeface="Verdana" panose="020B0604030504040204" pitchFamily="34" charset="0"/>
+              </a:rPr>
+              <a:t>of</a:t>
+            </a:r>
+            <a:r>
+              <a:rPr lang="pt-PT" altLang="pt-PT" sz="800" b="1" dirty="0">
+                <a:solidFill>
+                  <a:srgbClr val="000000"/>
+                </a:solidFill>
+                <a:latin typeface="Verdana" panose="020B0604030504040204" pitchFamily="34" charset="0"/>
+              </a:rPr>
+              <a:t> </a:t>
+            </a:r>
+            <a:r>
+              <a:rPr lang="pt-PT" altLang="pt-PT" sz="800" b="1" dirty="0" err="1">
+                <a:solidFill>
+                  <a:srgbClr val="000000"/>
+                </a:solidFill>
+                <a:latin typeface="Verdana" panose="020B0604030504040204" pitchFamily="34" charset="0"/>
+              </a:rPr>
               <a:t>the</a:t>
             </a:r>
             <a:r>
@@ -6644,7 +6720,7 @@
                 </a:solidFill>
                 <a:latin typeface="Verdana" panose="020B0604030504040204" pitchFamily="34" charset="0"/>
               </a:rPr>
-              <a:t>framework</a:t>
+              <a:t>course</a:t>
             </a:r>
             <a:r>
               <a:rPr lang="pt-PT" altLang="pt-PT" sz="800" b="1" dirty="0">
@@ -6653,79 +6729,7 @@
                 </a:solidFill>
                 <a:latin typeface="Verdana" panose="020B0604030504040204" pitchFamily="34" charset="0"/>
               </a:rPr>
-              <a:t> </a:t>
-            </a:r>
-            <a:r>
-              <a:rPr lang="pt-PT" altLang="pt-PT" sz="800" b="1" dirty="0" err="1">
-                <a:solidFill>
-                  <a:srgbClr val="000000"/>
-                </a:solidFill>
-                <a:latin typeface="Verdana" panose="020B0604030504040204" pitchFamily="34" charset="0"/>
-              </a:rPr>
-              <a:t>of</a:t>
-            </a:r>
-            <a:r>
-              <a:rPr lang="pt-PT" altLang="pt-PT" sz="800" b="1" dirty="0">
-                <a:solidFill>
-                  <a:srgbClr val="000000"/>
-                </a:solidFill>
-                <a:latin typeface="Verdana" panose="020B0604030504040204" pitchFamily="34" charset="0"/>
-              </a:rPr>
-              <a:t> discipline XXXXX </a:t>
-            </a:r>
-            <a:r>
-              <a:rPr lang="pt-PT" altLang="pt-PT" sz="800" b="1" dirty="0" err="1">
-                <a:solidFill>
-                  <a:srgbClr val="000000"/>
-                </a:solidFill>
-                <a:latin typeface="Verdana" panose="020B0604030504040204" pitchFamily="34" charset="0"/>
-              </a:rPr>
-              <a:t>of</a:t>
-            </a:r>
-            <a:r>
-              <a:rPr lang="pt-PT" altLang="pt-PT" sz="800" b="1" dirty="0">
-                <a:solidFill>
-                  <a:srgbClr val="000000"/>
-                </a:solidFill>
-                <a:latin typeface="Verdana" panose="020B0604030504040204" pitchFamily="34" charset="0"/>
-              </a:rPr>
-              <a:t> </a:t>
-            </a:r>
-            <a:r>
-              <a:rPr lang="pt-PT" altLang="pt-PT" sz="800" b="1" dirty="0" err="1">
-                <a:solidFill>
-                  <a:srgbClr val="000000"/>
-                </a:solidFill>
-                <a:latin typeface="Verdana" panose="020B0604030504040204" pitchFamily="34" charset="0"/>
-              </a:rPr>
-              <a:t>the</a:t>
-            </a:r>
-            <a:r>
-              <a:rPr lang="pt-PT" altLang="pt-PT" sz="800" b="1" dirty="0">
-                <a:solidFill>
-                  <a:srgbClr val="000000"/>
-                </a:solidFill>
-                <a:latin typeface="Verdana" panose="020B0604030504040204" pitchFamily="34" charset="0"/>
-              </a:rPr>
-              <a:t> </a:t>
-            </a:r>
-            <a:r>
-              <a:rPr lang="pt-PT" altLang="pt-PT" sz="800" b="1" dirty="0" err="1">
-                <a:solidFill>
-                  <a:srgbClr val="000000"/>
-                </a:solidFill>
-                <a:latin typeface="Verdana" panose="020B0604030504040204" pitchFamily="34" charset="0"/>
-              </a:rPr>
-              <a:t>course</a:t>
-            </a:r>
-            <a:r>
-              <a:rPr lang="pt-PT" altLang="pt-PT" sz="800" b="1" dirty="0">
-                <a:solidFill>
-                  <a:srgbClr val="000000"/>
-                </a:solidFill>
-                <a:latin typeface="Verdana" panose="020B0604030504040204" pitchFamily="34" charset="0"/>
-              </a:rPr>
-              <a:t> YYYY</a:t>
+              <a:t> LEI</a:t>
             </a:r>
             <a:br>
               <a:rPr lang="pt-PT" altLang="pt-PT" sz="800" b="1" dirty="0">
@@ -6877,100 +6881,6 @@
                 <a:latin typeface="Verdana" panose="020B0604030504040204" pitchFamily="34" charset="0"/>
               </a:rPr>
               <a:t> Aveiro</a:t>
-            </a:r>
-            <a:br>
-              <a:rPr lang="pt-PT" altLang="pt-PT" sz="800" b="1" dirty="0">
-                <a:solidFill>
-                  <a:srgbClr val="000000"/>
-                </a:solidFill>
-                <a:latin typeface="Verdana" panose="020B0604030504040204" pitchFamily="34" charset="0"/>
-              </a:rPr>
-            </a:br>
-            <a:r>
-              <a:rPr lang="pt-PT" altLang="pt-PT" sz="800" b="1" dirty="0">
-                <a:solidFill>
-                  <a:srgbClr val="000000"/>
-                </a:solidFill>
-                <a:latin typeface="Verdana" panose="020B0604030504040204" pitchFamily="34" charset="0"/>
-              </a:rPr>
-              <a:t> </a:t>
-            </a:r>
-            <a:br>
-              <a:rPr lang="pt-PT" altLang="pt-PT" sz="800" b="1" dirty="0">
-                <a:solidFill>
-                  <a:srgbClr val="000000"/>
-                </a:solidFill>
-                <a:latin typeface="Verdana" panose="020B0604030504040204" pitchFamily="34" charset="0"/>
-              </a:rPr>
-            </a:br>
-            <a:r>
-              <a:rPr lang="pt-PT" altLang="pt-PT" sz="800" b="1" dirty="0" err="1">
-                <a:solidFill>
-                  <a:srgbClr val="000000"/>
-                </a:solidFill>
-                <a:latin typeface="Verdana" panose="020B0604030504040204" pitchFamily="34" charset="0"/>
-              </a:rPr>
-              <a:t>Supervision</a:t>
-            </a:r>
-            <a:r>
-              <a:rPr lang="pt-PT" altLang="pt-PT" sz="800" b="1" dirty="0">
-                <a:solidFill>
-                  <a:srgbClr val="000000"/>
-                </a:solidFill>
-                <a:latin typeface="Verdana" panose="020B0604030504040204" pitchFamily="34" charset="0"/>
-              </a:rPr>
-              <a:t>:</a:t>
-            </a:r>
-            <a:br>
-              <a:rPr lang="pt-PT" altLang="pt-PT" sz="800" b="1" dirty="0">
-                <a:solidFill>
-                  <a:srgbClr val="000000"/>
-                </a:solidFill>
-                <a:latin typeface="Verdana" panose="020B0604030504040204" pitchFamily="34" charset="0"/>
-              </a:rPr>
-            </a:br>
-            <a:r>
-              <a:rPr lang="pt-PT" altLang="pt-PT" sz="800" b="1" dirty="0">
-                <a:solidFill>
-                  <a:srgbClr val="000000"/>
-                </a:solidFill>
-                <a:latin typeface="Verdana" panose="020B0604030504040204" pitchFamily="34" charset="0"/>
-              </a:rPr>
-              <a:t>Manuel de Oliveira Duarte</a:t>
-            </a:r>
-            <a:br>
-              <a:rPr lang="pt-PT" altLang="pt-PT" sz="800" b="1" dirty="0">
-                <a:solidFill>
-                  <a:srgbClr val="000000"/>
-                </a:solidFill>
-                <a:latin typeface="Verdana" panose="020B0604030504040204" pitchFamily="34" charset="0"/>
-              </a:rPr>
-            </a:br>
-            <a:r>
-              <a:rPr lang="pt-PT" altLang="pt-PT" sz="800" b="1" dirty="0" err="1">
-                <a:solidFill>
-                  <a:srgbClr val="000000"/>
-                </a:solidFill>
-                <a:latin typeface="Verdana" panose="020B0604030504040204" pitchFamily="34" charset="0"/>
-              </a:rPr>
-              <a:t>Xxxxxxxxxx</a:t>
-            </a:r>
-            <a:br>
-              <a:rPr lang="pt-PT" altLang="pt-PT" sz="800" b="1" dirty="0">
-                <a:solidFill>
-                  <a:srgbClr val="000000"/>
-                </a:solidFill>
-                <a:latin typeface="Verdana" panose="020B0604030504040204" pitchFamily="34" charset="0"/>
-              </a:rPr>
-            </a:br>
-            <a:r>
-              <a:rPr lang="pt-PT" altLang="pt-PT" sz="800" b="1" dirty="0" err="1">
-                <a:solidFill>
-                  <a:srgbClr val="000000"/>
-                </a:solidFill>
-                <a:latin typeface="Verdana" panose="020B0604030504040204" pitchFamily="34" charset="0"/>
-              </a:rPr>
-              <a:t>yyyyyyyyyy</a:t>
             </a:r>
             <a:br>
               <a:rPr lang="pt-PT" altLang="pt-PT" sz="800" b="1" dirty="0">
@@ -6995,7 +6905,7 @@
                 </a:solidFill>
                 <a:latin typeface="Verdana" panose="020B0604030504040204" pitchFamily="34" charset="0"/>
               </a:rPr>
-              <a:t>Date</a:t>
+              <a:t> </a:t>
             </a:r>
             <a:br>
               <a:rPr lang="pt-PT" altLang="pt-PT" sz="800" b="1" dirty="0">
@@ -7012,7 +6922,7 @@
                 </a:solidFill>
                 <a:latin typeface="Verdana" panose="020B0604030504040204" pitchFamily="34" charset="0"/>
               </a:rPr>
-              <a:t>dd</a:t>
+              <a:t>Supervision</a:t>
             </a:r>
             <a:r>
               <a:rPr lang="pt-PT" altLang="pt-PT" sz="800" b="1" dirty="0">
@@ -7021,16 +6931,74 @@
                 </a:solidFill>
                 <a:latin typeface="Verdana" panose="020B0604030504040204" pitchFamily="34" charset="0"/>
               </a:rPr>
-              <a:t>/mm/</a:t>
-            </a:r>
-            <a:r>
-              <a:rPr lang="pt-PT" altLang="pt-PT" sz="800" b="1" dirty="0" err="1">
+              <a:t>:</a:t>
+            </a:r>
+            <a:br>
+              <a:rPr lang="pt-PT" altLang="pt-PT" sz="800" b="1" dirty="0">
                 <a:solidFill>
                   <a:srgbClr val="000000"/>
                 </a:solidFill>
                 <a:latin typeface="Verdana" panose="020B0604030504040204" pitchFamily="34" charset="0"/>
               </a:rPr>
-              <a:t>yy</a:t>
+            </a:br>
+            <a:r>
+              <a:rPr lang="pt-PT" altLang="pt-PT" sz="800" b="1" dirty="0">
+                <a:solidFill>
+                  <a:srgbClr val="000000"/>
+                </a:solidFill>
+                <a:latin typeface="Verdana" panose="020B0604030504040204" pitchFamily="34" charset="0"/>
+              </a:rPr>
+              <a:t>Manuel de Oliveira Duarte</a:t>
+            </a:r>
+            <a:br>
+              <a:rPr lang="pt-PT" altLang="pt-PT" sz="800" b="1" dirty="0">
+                <a:solidFill>
+                  <a:srgbClr val="000000"/>
+                </a:solidFill>
+                <a:latin typeface="Verdana" panose="020B0604030504040204" pitchFamily="34" charset="0"/>
+              </a:rPr>
+            </a:br>
+            <a:br>
+              <a:rPr lang="pt-PT" altLang="pt-PT" sz="800" b="1" dirty="0">
+                <a:solidFill>
+                  <a:srgbClr val="000000"/>
+                </a:solidFill>
+                <a:latin typeface="Verdana" panose="020B0604030504040204" pitchFamily="34" charset="0"/>
+              </a:rPr>
+            </a:br>
+            <a:br>
+              <a:rPr lang="pt-PT" altLang="pt-PT" sz="800" b="1" dirty="0">
+                <a:solidFill>
+                  <a:srgbClr val="000000"/>
+                </a:solidFill>
+                <a:latin typeface="Verdana" panose="020B0604030504040204" pitchFamily="34" charset="0"/>
+              </a:rPr>
+            </a:br>
+            <a:r>
+              <a:rPr lang="pt-PT" altLang="pt-PT" sz="800" b="1" dirty="0">
+                <a:solidFill>
+                  <a:srgbClr val="000000"/>
+                </a:solidFill>
+                <a:latin typeface="Verdana" panose="020B0604030504040204" pitchFamily="34" charset="0"/>
+              </a:rPr>
+              <a:t>Date</a:t>
+            </a:r>
+            <a:br>
+              <a:rPr lang="pt-PT" altLang="pt-PT" sz="800" b="1" dirty="0">
+                <a:solidFill>
+                  <a:srgbClr val="000000"/>
+                </a:solidFill>
+                <a:latin typeface="Verdana" panose="020B0604030504040204" pitchFamily="34" charset="0"/>
+              </a:rPr>
+            </a:br>
+            <a:r>
+              <a:rPr lang="pt-PT" altLang="pt-PT" sz="800" b="1" dirty="0">
+                <a:solidFill>
+                  <a:srgbClr val="000000"/>
+                </a:solidFill>
+                <a:latin typeface="Verdana" panose="020B0604030504040204" pitchFamily="34" charset="0"/>
+              </a:rPr>
+              <a:t>21/04/2020</a:t>
             </a:r>
             <a:br>
               <a:rPr lang="pt-PT" altLang="pt-PT" sz="1200" b="1" dirty="0">
@@ -7529,15 +7497,32 @@
               </a:lnSpc>
             </a:pPr>
             <a:r>
-              <a:rPr lang="pt-PT" altLang="pt-PT" sz="2000" b="1">
+              <a:rPr lang="pt-PT" altLang="pt-PT" sz="2000" b="1" dirty="0">
                 <a:solidFill>
                   <a:srgbClr val="000000"/>
                 </a:solidFill>
                 <a:latin typeface="Arial" panose="020B0604020202020204" pitchFamily="34" charset="0"/>
                 <a:cs typeface="Arial" panose="020B0604020202020204" pitchFamily="34" charset="0"/>
               </a:rPr>
-              <a:t>Estudo da organização e estrutura das actuais redes de telecomunicações</a:t>
-            </a:r>
+              <a:t>Estudo da organização e estrutura aplicação </a:t>
+            </a:r>
+            <a:r>
+              <a:rPr lang="pt-PT" altLang="pt-PT" sz="2000" b="1" dirty="0" err="1">
+                <a:solidFill>
+                  <a:srgbClr val="000000"/>
+                </a:solidFill>
+                <a:latin typeface="Arial" panose="020B0604020202020204" pitchFamily="34" charset="0"/>
+                <a:cs typeface="Arial" panose="020B0604020202020204" pitchFamily="34" charset="0"/>
+              </a:rPr>
+              <a:t>Slack</a:t>
+            </a:r>
+            <a:endParaRPr lang="pt-PT" altLang="pt-PT" sz="2000" b="1" dirty="0">
+              <a:solidFill>
+                <a:srgbClr val="000000"/>
+              </a:solidFill>
+              <a:latin typeface="Arial" panose="020B0604020202020204" pitchFamily="34" charset="0"/>
+              <a:cs typeface="Arial" panose="020B0604020202020204" pitchFamily="34" charset="0"/>
+            </a:endParaRPr>
           </a:p>
           <a:p>
             <a:pPr algn="just">
@@ -7545,16 +7530,13 @@
                 <a:spcPct val="150000"/>
               </a:lnSpc>
             </a:pPr>
-            <a:r>
-              <a:rPr lang="pt-PT" altLang="pt-PT" sz="2000" b="1">
-                <a:solidFill>
-                  <a:srgbClr val="000000"/>
-                </a:solidFill>
-                <a:latin typeface="Arial" panose="020B0604020202020204" pitchFamily="34" charset="0"/>
-                <a:cs typeface="Arial" panose="020B0604020202020204" pitchFamily="34" charset="0"/>
-              </a:rPr>
-              <a:t>Estudo das diferentes redes de acesso</a:t>
-            </a:r>
+            <a:endParaRPr lang="pt-PT" altLang="pt-PT" sz="2000" b="1" dirty="0">
+              <a:solidFill>
+                <a:srgbClr val="000000"/>
+              </a:solidFill>
+              <a:latin typeface="Arial" panose="020B0604020202020204" pitchFamily="34" charset="0"/>
+              <a:cs typeface="Arial" panose="020B0604020202020204" pitchFamily="34" charset="0"/>
+            </a:endParaRPr>
           </a:p>
           <a:p>
             <a:pPr algn="just">
@@ -7563,31 +7545,48 @@
               </a:lnSpc>
             </a:pPr>
             <a:r>
-              <a:rPr lang="pt-PT" altLang="pt-PT" sz="2000" b="1">
+              <a:rPr lang="pt-PT" altLang="pt-PT" sz="2000" b="1" dirty="0">
                 <a:solidFill>
                   <a:srgbClr val="000000"/>
                 </a:solidFill>
                 <a:latin typeface="Arial" panose="020B0604020202020204" pitchFamily="34" charset="0"/>
                 <a:cs typeface="Arial" panose="020B0604020202020204" pitchFamily="34" charset="0"/>
               </a:rPr>
-              <a:t>Identificação de soluções FTTx</a:t>
-            </a:r>
-          </a:p>
-          <a:p>
-            <a:pPr algn="just">
-              <a:lnSpc>
-                <a:spcPct val="150000"/>
-              </a:lnSpc>
-            </a:pPr>
-            <a:r>
-              <a:rPr lang="pt-PT" altLang="pt-PT" sz="2000" b="1">
+              <a:t>Análise </a:t>
+            </a:r>
+            <a:r>
+              <a:rPr lang="pt-PT" altLang="pt-PT" sz="2000" b="1" dirty="0" err="1">
                 <a:solidFill>
                   <a:srgbClr val="000000"/>
                 </a:solidFill>
                 <a:latin typeface="Arial" panose="020B0604020202020204" pitchFamily="34" charset="0"/>
                 <a:cs typeface="Arial" panose="020B0604020202020204" pitchFamily="34" charset="0"/>
               </a:rPr>
-              <a:t>Análise técno-económica de diferentes tipologias para uma solução FTTH utilizando GPON</a:t>
+              <a:t>técno</a:t>
+            </a:r>
+            <a:r>
+              <a:rPr lang="pt-PT" altLang="pt-PT" sz="2000" b="1" dirty="0">
+                <a:solidFill>
+                  <a:srgbClr val="000000"/>
+                </a:solidFill>
+                <a:latin typeface="Arial" panose="020B0604020202020204" pitchFamily="34" charset="0"/>
+                <a:cs typeface="Arial" panose="020B0604020202020204" pitchFamily="34" charset="0"/>
+              </a:rPr>
+              <a:t>-económica de diferentes tipologias para uma solução </a:t>
+            </a:r>
+            <a:r>
+              <a:rPr lang="pt-PT" altLang="pt-PT" dirty="0"/>
+              <a:t>FTTH</a:t>
+            </a:r>
+            <a:r>
+              <a:rPr lang="pt-PT" altLang="pt-PT" sz="2000" b="1" dirty="0">
+                <a:solidFill>
+                  <a:srgbClr val="000000"/>
+                </a:solidFill>
+                <a:latin typeface="Arial" panose="020B0604020202020204" pitchFamily="34" charset="0"/>
+                <a:cs typeface="Arial" panose="020B0604020202020204" pitchFamily="34" charset="0"/>
+              </a:rPr>
+              <a:t> utilizando GPON</a:t>
             </a:r>
           </a:p>
         </p:txBody>
